--- a/4/img/process.pptx
+++ b/4/img/process.pptx
@@ -3029,7 +3029,6 @@
               <a:rPr lang="zh-CN" altLang="en-US" sz="1600" dirty="0"/>
               <a:t>自己的仓库</a:t>
             </a:r>
-            <a:endParaRPr lang="zh-CN" altLang="en-US" sz="1600" dirty="0"/>
           </a:p>
         </p:txBody>
       </p:sp>
@@ -3094,7 +3093,7 @@
         </p:nvSpPr>
         <p:spPr>
           <a:xfrm>
-            <a:off x="1985325" y="801288"/>
+            <a:off x="2003797" y="801288"/>
             <a:ext cx="211947" cy="1340405"/>
           </a:xfrm>
           <a:prstGeom prst="downArrow">
@@ -3139,7 +3138,7 @@
         </p:nvSpPr>
         <p:spPr>
           <a:xfrm>
-            <a:off x="536405" y="1407953"/>
+            <a:off x="536405" y="1426425"/>
             <a:ext cx="2176726" cy="369332"/>
           </a:xfrm>
           <a:prstGeom prst="rect">
@@ -3170,7 +3169,7 @@
         </p:nvSpPr>
         <p:spPr>
           <a:xfrm>
-            <a:off x="1947966" y="2635410"/>
+            <a:off x="1975674" y="2635410"/>
             <a:ext cx="211947" cy="1340405"/>
           </a:xfrm>
           <a:prstGeom prst="downArrow">
@@ -3231,11 +3230,7 @@
           <a:p>
             <a:r>
               <a:rPr lang="en-US" altLang="zh-CN" sz="1800" dirty="0"/>
-              <a:t>②</a:t>
-            </a:r>
-            <a:r>
-              <a:rPr lang="en-US" altLang="zh-CN" sz="1800" dirty="0"/>
-              <a:t>Clone</a:t>
+              <a:t>②Clone</a:t>
             </a:r>
             <a:endParaRPr lang="zh-CN" altLang="en-US" sz="1800" dirty="0"/>
           </a:p>
@@ -3365,7 +3360,7 @@
         </p:nvSpPr>
         <p:spPr>
           <a:xfrm>
-            <a:off x="2716266" y="2627772"/>
+            <a:off x="2633142" y="2609300"/>
             <a:ext cx="206216" cy="1340405"/>
           </a:xfrm>
           <a:prstGeom prst="upArrow">
@@ -3460,7 +3455,6 @@
               <a:rPr lang="zh-CN" altLang="en-US" sz="1600" dirty="0"/>
               <a:t>别人的仓库</a:t>
             </a:r>
-            <a:endParaRPr lang="zh-CN" altLang="en-US" sz="1600" dirty="0"/>
           </a:p>
         </p:txBody>
       </p:sp>
@@ -3503,7 +3497,6 @@
               <a:rPr lang="zh-CN" altLang="en-US" sz="1800" dirty="0"/>
               <a:t>请求</a:t>
             </a:r>
-            <a:endParaRPr lang="zh-CN" altLang="en-US" sz="1800" dirty="0"/>
           </a:p>
         </p:txBody>
       </p:sp>
@@ -3736,7 +3729,6 @@
               <a:rPr lang="zh-CN" altLang="en-US" sz="1800" dirty="0"/>
               <a:t>合并最新的改变</a:t>
             </a:r>
-            <a:endParaRPr lang="zh-CN" altLang="en-US" sz="1800" dirty="0"/>
           </a:p>
         </p:txBody>
       </p:sp>
